--- a/Lesson5-The Designer/Lesson5-The Designer.pptx
+++ b/Lesson5-The Designer/Lesson5-The Designer.pptx
@@ -2885,7 +2885,7 @@
           <a:p>
             <a:fld id="{1DD4402E-2714-4F60-8F6B-D0DE2235143B}" type="datetimeFigureOut">
               <a:rPr lang="el-GR" smtClean="0"/>
-              <a:t>10/2/2021</a:t>
+              <a:t>1/3/2021</a:t>
             </a:fld>
             <a:endParaRPr lang="el-GR"/>
           </a:p>
@@ -6431,7 +6431,7 @@
           <a:p>
             <a:fld id="{86F0BDD2-2FE9-4947-8A0F-347E40919148}" type="datetimeFigureOut">
               <a:rPr lang="el-GR" smtClean="0"/>
-              <a:t>10/2/2021</a:t>
+              <a:t>1/3/2021</a:t>
             </a:fld>
             <a:endParaRPr lang="el-GR"/>
           </a:p>
@@ -6741,7 +6741,7 @@
             <a:fld id="{86F0BDD2-2FE9-4947-8A0F-347E40919148}" type="datetimeFigureOut">
               <a:rPr lang="el-GR" smtClean="0"/>
               <a:pPr/>
-              <a:t>10/2/2021</a:t>
+              <a:t>1/3/2021</a:t>
             </a:fld>
             <a:endParaRPr lang="el-GR"/>
           </a:p>
@@ -7052,7 +7052,7 @@
           <a:p>
             <a:fld id="{86F0BDD2-2FE9-4947-8A0F-347E40919148}" type="datetimeFigureOut">
               <a:rPr lang="el-GR" smtClean="0"/>
-              <a:t>10/2/2021</a:t>
+              <a:t>1/3/2021</a:t>
             </a:fld>
             <a:endParaRPr lang="el-GR"/>
           </a:p>
@@ -7569,7 +7569,7 @@
             <a:fld id="{86F0BDD2-2FE9-4947-8A0F-347E40919148}" type="datetimeFigureOut">
               <a:rPr lang="el-GR" smtClean="0"/>
               <a:pPr/>
-              <a:t>10/2/2021</a:t>
+              <a:t>1/3/2021</a:t>
             </a:fld>
             <a:endParaRPr lang="el-GR">
               <a:latin typeface="Verdana" panose="020B0604030504040204" pitchFamily="34" charset="0"/>
@@ -7776,7 +7776,7 @@
             <a:fld id="{86F0BDD2-2FE9-4947-8A0F-347E40919148}" type="datetimeFigureOut">
               <a:rPr lang="el-GR" smtClean="0"/>
               <a:pPr/>
-              <a:t>10/2/2021</a:t>
+              <a:t>1/3/2021</a:t>
             </a:fld>
             <a:endParaRPr lang="el-GR" sz="1100"/>
           </a:p>
@@ -7924,7 +7924,7 @@
           <a:p>
             <a:fld id="{86F0BDD2-2FE9-4947-8A0F-347E40919148}" type="datetimeFigureOut">
               <a:rPr lang="el-GR" smtClean="0"/>
-              <a:t>10/2/2021</a:t>
+              <a:t>1/3/2021</a:t>
             </a:fld>
             <a:endParaRPr lang="el-GR"/>
           </a:p>
@@ -8286,7 +8286,7 @@
             <a:fld id="{86F0BDD2-2FE9-4947-8A0F-347E40919148}" type="datetimeFigureOut">
               <a:rPr lang="el-GR" smtClean="0"/>
               <a:pPr/>
-              <a:t>10/2/2021</a:t>
+              <a:t>1/3/2021</a:t>
             </a:fld>
             <a:endParaRPr lang="el-GR">
               <a:latin typeface="Verdana" panose="020B0604030504040204" pitchFamily="34" charset="0"/>
@@ -8637,7 +8637,7 @@
             <a:fld id="{86F0BDD2-2FE9-4947-8A0F-347E40919148}" type="datetimeFigureOut">
               <a:rPr lang="el-GR" smtClean="0"/>
               <a:pPr/>
-              <a:t>10/2/2021</a:t>
+              <a:t>1/3/2021</a:t>
             </a:fld>
             <a:endParaRPr lang="el-GR">
               <a:latin typeface="Verdana" panose="020B0604030504040204" pitchFamily="34" charset="0"/>
@@ -8961,7 +8961,7 @@
             <a:fld id="{86F0BDD2-2FE9-4947-8A0F-347E40919148}" type="datetimeFigureOut">
               <a:rPr lang="el-GR" smtClean="0"/>
               <a:pPr/>
-              <a:t>10/2/2021</a:t>
+              <a:t>1/3/2021</a:t>
             </a:fld>
             <a:endParaRPr lang="el-GR"/>
           </a:p>
@@ -9603,6 +9603,41 @@
           </a:p>
         </p:txBody>
       </p:sp>
+      <p:pic>
+        <p:nvPicPr>
+          <p:cNvPr id="7" name="Εικόνα 6">
+            <a:hlinkClick r:id="rId2"/>
+            <a:extLst>
+              <a:ext uri="{FF2B5EF4-FFF2-40B4-BE49-F238E27FC236}">
+                <a16:creationId xmlns:a16="http://schemas.microsoft.com/office/drawing/2014/main" id="{2E6D9130-157D-4719-90FA-DEBE25F06862}"/>
+              </a:ext>
+            </a:extLst>
+          </p:cNvPr>
+          <p:cNvPicPr/>
+          <p:nvPr/>
+        </p:nvPicPr>
+        <p:blipFill>
+          <a:blip r:embed="rId3">
+            <a:extLst>
+              <a:ext uri="{28A0092B-C50C-407E-A947-70E740481C1C}">
+                <a14:useLocalDpi xmlns:a14="http://schemas.microsoft.com/office/drawing/2010/main" val="0"/>
+              </a:ext>
+            </a:extLst>
+          </a:blip>
+          <a:stretch>
+            <a:fillRect/>
+          </a:stretch>
+        </p:blipFill>
+        <p:spPr>
+          <a:xfrm>
+            <a:off x="254380" y="6357938"/>
+            <a:ext cx="838200" cy="295275"/>
+          </a:xfrm>
+          <a:prstGeom prst="rect">
+            <a:avLst/>
+          </a:prstGeom>
+        </p:spPr>
+      </p:pic>
     </p:spTree>
     <p:extLst>
       <p:ext uri="{BB962C8B-B14F-4D97-AF65-F5344CB8AC3E}">

--- a/Lesson5-The Designer/Lesson5-The Designer.pptx
+++ b/Lesson5-The Designer/Lesson5-The Designer.pptx
@@ -2885,7 +2885,7 @@
           <a:p>
             <a:fld id="{1DD4402E-2714-4F60-8F6B-D0DE2235143B}" type="datetimeFigureOut">
               <a:rPr lang="el-GR" smtClean="0"/>
-              <a:t>1/3/2021</a:t>
+              <a:t>8/3/2021</a:t>
             </a:fld>
             <a:endParaRPr lang="el-GR"/>
           </a:p>
@@ -6431,7 +6431,7 @@
           <a:p>
             <a:fld id="{86F0BDD2-2FE9-4947-8A0F-347E40919148}" type="datetimeFigureOut">
               <a:rPr lang="el-GR" smtClean="0"/>
-              <a:t>1/3/2021</a:t>
+              <a:t>8/3/2021</a:t>
             </a:fld>
             <a:endParaRPr lang="el-GR"/>
           </a:p>
@@ -6741,7 +6741,7 @@
             <a:fld id="{86F0BDD2-2FE9-4947-8A0F-347E40919148}" type="datetimeFigureOut">
               <a:rPr lang="el-GR" smtClean="0"/>
               <a:pPr/>
-              <a:t>1/3/2021</a:t>
+              <a:t>8/3/2021</a:t>
             </a:fld>
             <a:endParaRPr lang="el-GR"/>
           </a:p>
@@ -7052,7 +7052,7 @@
           <a:p>
             <a:fld id="{86F0BDD2-2FE9-4947-8A0F-347E40919148}" type="datetimeFigureOut">
               <a:rPr lang="el-GR" smtClean="0"/>
-              <a:t>1/3/2021</a:t>
+              <a:t>8/3/2021</a:t>
             </a:fld>
             <a:endParaRPr lang="el-GR"/>
           </a:p>
@@ -7569,7 +7569,7 @@
             <a:fld id="{86F0BDD2-2FE9-4947-8A0F-347E40919148}" type="datetimeFigureOut">
               <a:rPr lang="el-GR" smtClean="0"/>
               <a:pPr/>
-              <a:t>1/3/2021</a:t>
+              <a:t>8/3/2021</a:t>
             </a:fld>
             <a:endParaRPr lang="el-GR">
               <a:latin typeface="Verdana" panose="020B0604030504040204" pitchFamily="34" charset="0"/>
@@ -7776,7 +7776,7 @@
             <a:fld id="{86F0BDD2-2FE9-4947-8A0F-347E40919148}" type="datetimeFigureOut">
               <a:rPr lang="el-GR" smtClean="0"/>
               <a:pPr/>
-              <a:t>1/3/2021</a:t>
+              <a:t>8/3/2021</a:t>
             </a:fld>
             <a:endParaRPr lang="el-GR" sz="1100"/>
           </a:p>
@@ -7924,7 +7924,7 @@
           <a:p>
             <a:fld id="{86F0BDD2-2FE9-4947-8A0F-347E40919148}" type="datetimeFigureOut">
               <a:rPr lang="el-GR" smtClean="0"/>
-              <a:t>1/3/2021</a:t>
+              <a:t>8/3/2021</a:t>
             </a:fld>
             <a:endParaRPr lang="el-GR"/>
           </a:p>
@@ -8286,7 +8286,7 @@
             <a:fld id="{86F0BDD2-2FE9-4947-8A0F-347E40919148}" type="datetimeFigureOut">
               <a:rPr lang="el-GR" smtClean="0"/>
               <a:pPr/>
-              <a:t>1/3/2021</a:t>
+              <a:t>8/3/2021</a:t>
             </a:fld>
             <a:endParaRPr lang="el-GR">
               <a:latin typeface="Verdana" panose="020B0604030504040204" pitchFamily="34" charset="0"/>
@@ -8637,7 +8637,7 @@
             <a:fld id="{86F0BDD2-2FE9-4947-8A0F-347E40919148}" type="datetimeFigureOut">
               <a:rPr lang="el-GR" smtClean="0"/>
               <a:pPr/>
-              <a:t>1/3/2021</a:t>
+              <a:t>8/3/2021</a:t>
             </a:fld>
             <a:endParaRPr lang="el-GR">
               <a:latin typeface="Verdana" panose="020B0604030504040204" pitchFamily="34" charset="0"/>
@@ -8961,7 +8961,7 @@
             <a:fld id="{86F0BDD2-2FE9-4947-8A0F-347E40919148}" type="datetimeFigureOut">
               <a:rPr lang="el-GR" smtClean="0"/>
               <a:pPr/>
-              <a:t>1/3/2021</a:t>
+              <a:t>8/3/2021</a:t>
             </a:fld>
             <a:endParaRPr lang="el-GR"/>
           </a:p>
@@ -9886,7 +9886,7 @@
                 <a:ea typeface="Calibri" panose="020F0502020204030204" pitchFamily="34" charset="0"/>
                 <a:cs typeface="Times New Roman" panose="02020603050405020304" pitchFamily="18" charset="0"/>
               </a:rPr>
-              <a:t>Imagine that you want to make a program that reads from the screen two Integers, calculates, and shows the sum.</a:t>
+              <a:t>Let’s say that you want to make a program that reads from the screen two Integers, calculates, and shows the sum.</a:t>
             </a:r>
             <a:endParaRPr kumimoji="0" lang="en-US" altLang="el-GR" sz="4400" b="0" i="0" u="none" strike="noStrike" cap="none" normalizeH="0" baseline="0" dirty="0">
               <a:ln>
@@ -10441,7 +10441,7 @@
         </p:nvSpPr>
         <p:spPr bwMode="auto">
           <a:xfrm>
-            <a:off x="0" y="1052100"/>
+            <a:off x="0" y="1052101"/>
             <a:ext cx="12192000" cy="646331"/>
           </a:xfrm>
           <a:prstGeom prst="rect">
@@ -10508,7 +10508,7 @@
                 <a:ea typeface="Calibri" panose="020F0502020204030204" pitchFamily="34" charset="0"/>
                 <a:cs typeface="Times New Roman" panose="02020603050405020304" pitchFamily="18" charset="0"/>
               </a:rPr>
-              <a:t>Imagine that you want to make a program that reads from the screen two Integers, calculates, and shows the sum.</a:t>
+              <a:t>Let’s say that you want to make a program that reads from the screen two Integers, calculates, and shows the sum.</a:t>
             </a:r>
             <a:endParaRPr kumimoji="0" lang="en-US" altLang="el-GR" sz="3200" b="0" i="0" u="none" strike="noStrike" cap="none" normalizeH="0" baseline="0" dirty="0">
               <a:ln>
@@ -11178,7 +11178,7 @@
                 <a:ea typeface="Calibri" panose="020F0502020204030204" pitchFamily="34" charset="0"/>
                 <a:cs typeface="Times New Roman" panose="02020603050405020304" pitchFamily="18" charset="0"/>
               </a:rPr>
-              <a:t>Imagine that you want to make a program that reads from the screen two Integers, calculates, and shows the sum.</a:t>
+              <a:t>Let’s say that you want to make a program that reads from the screen two Integers, calculates, and shows the sum.</a:t>
             </a:r>
             <a:endParaRPr kumimoji="0" lang="en-US" altLang="el-GR" sz="3200" b="0" i="0" u="none" strike="noStrike" cap="none" normalizeH="0" baseline="0" dirty="0">
               <a:ln>
@@ -12338,7 +12338,7 @@
                 <a:ea typeface="Calibri" panose="020F0502020204030204" pitchFamily="34" charset="0"/>
                 <a:cs typeface="Times New Roman" panose="02020603050405020304" pitchFamily="18" charset="0"/>
               </a:rPr>
-              <a:t>Imagine that you want to make a program that reads from the screen two Integers, calculates, and shows the sum.</a:t>
+              <a:t>Let’s say that you want to make a program that reads from the screen two Integers, calculates, and shows the sum.</a:t>
             </a:r>
             <a:endParaRPr kumimoji="0" lang="en-US" altLang="el-GR" sz="3200" b="0" i="0" u="none" strike="noStrike" cap="none" normalizeH="0" baseline="0" dirty="0">
               <a:ln>
@@ -13292,7 +13292,7 @@
                 <a:ea typeface="Calibri" panose="020F0502020204030204" pitchFamily="34" charset="0"/>
                 <a:cs typeface="Times New Roman" panose="02020603050405020304" pitchFamily="18" charset="0"/>
               </a:rPr>
-              <a:t>Imagine that you want to make a program that reads from the screen two Integers, calculates, and shows the sum.</a:t>
+              <a:t>Let’s say that you want to make a program that reads from the screen two Integers, calculates, and shows the sum.</a:t>
             </a:r>
             <a:endParaRPr kumimoji="0" lang="en-US" altLang="el-GR" sz="3200" b="0" i="0" u="none" strike="noStrike" cap="none" normalizeH="0" baseline="0" dirty="0">
               <a:ln>
@@ -13914,7 +13914,7 @@
                 <a:ea typeface="Calibri" panose="020F0502020204030204" pitchFamily="34" charset="0"/>
                 <a:cs typeface="Times New Roman" panose="02020603050405020304" pitchFamily="18" charset="0"/>
               </a:rPr>
-              <a:t>Imagine that you want to make a program that reads from the screen two Integers, calculates, and shows the sum.</a:t>
+              <a:t>Let’s say that you want to make a program that reads from the screen two Integers, calculates, and shows the sum.</a:t>
             </a:r>
             <a:endParaRPr kumimoji="0" lang="en-US" altLang="el-GR" sz="3200" b="0" i="0" u="none" strike="noStrike" cap="none" normalizeH="0" baseline="0" dirty="0">
               <a:ln>
